--- a/PowerPoints/02 - Structure of Compilers.pptx
+++ b/PowerPoints/02 - Structure of Compilers.pptx
@@ -5039,9 +5039,9 @@
         <p:grpSpPr>
           <a:xfrm>
             <a:off x="3353594" y="1371600"/>
-            <a:ext cx="2436813" cy="4724400"/>
+            <a:ext cx="2806152" cy="4724400"/>
             <a:chOff x="3353594" y="1371600"/>
-            <a:chExt cx="2436813" cy="4724400"/>
+            <a:chExt cx="2806152" cy="4724400"/>
           </a:xfrm>
         </p:grpSpPr>
         <p:sp>
@@ -5253,9 +5253,9 @@
           <p:grpSpPr>
             <a:xfrm>
               <a:off x="3353594" y="1371600"/>
-              <a:ext cx="2436813" cy="1600200"/>
+              <a:ext cx="2806152" cy="1602846"/>
               <a:chOff x="3602831" y="1371600"/>
-              <a:chExt cx="2436813" cy="1600200"/>
+              <a:chExt cx="2806152" cy="1602846"/>
             </a:xfrm>
           </p:grpSpPr>
           <p:sp>
@@ -5424,8 +5424,8 @@
             </p:nvSpPr>
             <p:spPr bwMode="auto">
               <a:xfrm>
-                <a:off x="5742781" y="2635250"/>
-                <a:ext cx="296863" cy="336550"/>
+                <a:off x="5373442" y="2635250"/>
+                <a:ext cx="1035541" cy="339196"/>
               </a:xfrm>
               <a:prstGeom prst="rect">
                 <a:avLst/>
@@ -5446,8 +5446,13 @@
               <a:p>
                 <a:r>
                   <a:rPr lang="en-US" sz="1600"/>
+                  <a:t>intLiteral</a:t>
+                </a:r>
+                <a:r>
+                  <a:rPr lang="en-US" sz="1600" baseline="-25000"/>
                   <a:t>1</a:t>
                 </a:r>
+                <a:endParaRPr lang="en-US" sz="1600" baseline="-25000" dirty="0"/>
               </a:p>
             </p:txBody>
           </p:sp>
@@ -5550,7 +5555,7 @@
             </p:nvCxnSpPr>
             <p:spPr bwMode="auto">
               <a:xfrm>
-                <a:off x="5285581" y="2339975"/>
+                <a:off x="5284788" y="2339975"/>
                 <a:ext cx="606425" cy="295275"/>
               </a:xfrm>
               <a:prstGeom prst="straightConnector1">
@@ -10969,8 +10974,8 @@
         </p:nvSpPr>
         <p:spPr bwMode="auto">
           <a:xfrm>
-            <a:off x="5742781" y="5683250"/>
-            <a:ext cx="296863" cy="336550"/>
+            <a:off x="5373442" y="5683250"/>
+            <a:ext cx="1035541" cy="339196"/>
           </a:xfrm>
           <a:prstGeom prst="rect">
             <a:avLst/>
@@ -10990,7 +10995,11 @@
           <a:lstStyle/>
           <a:p>
             <a:r>
-              <a:rPr lang="en-US" sz="1600"/>
+              <a:rPr lang="en-US" sz="1600" dirty="0"/>
+              <a:t>intLiteral</a:t>
+            </a:r>
+            <a:r>
+              <a:rPr lang="en-US" sz="1600" baseline="-25000" dirty="0"/>
               <a:t>1</a:t>
             </a:r>
           </a:p>
@@ -11095,7 +11104,7 @@
         </p:nvCxnSpPr>
         <p:spPr bwMode="auto">
           <a:xfrm>
-            <a:off x="5285581" y="5387975"/>
+            <a:off x="5284788" y="5387975"/>
             <a:ext cx="606425" cy="295275"/>
           </a:xfrm>
           <a:prstGeom prst="straightConnector1">

--- a/PowerPoints/02 - Structure of Compilers.pptx
+++ b/PowerPoints/02 - Structure of Compilers.pptx
@@ -5039,9 +5039,9 @@
         <p:grpSpPr>
           <a:xfrm>
             <a:off x="3353594" y="1371600"/>
-            <a:ext cx="2806152" cy="4724400"/>
+            <a:ext cx="2825390" cy="4724400"/>
             <a:chOff x="3353594" y="1371600"/>
-            <a:chExt cx="2806152" cy="4724400"/>
+            <a:chExt cx="2825390" cy="4724400"/>
           </a:xfrm>
         </p:grpSpPr>
         <p:sp>
@@ -5253,9 +5253,9 @@
           <p:grpSpPr>
             <a:xfrm>
               <a:off x="3353594" y="1371600"/>
-              <a:ext cx="2806152" cy="1602846"/>
+              <a:ext cx="2825390" cy="1602846"/>
               <a:chOff x="3602831" y="1371600"/>
-              <a:chExt cx="2806152" cy="1602846"/>
+              <a:chExt cx="2825390" cy="1602846"/>
             </a:xfrm>
           </p:grpSpPr>
           <p:sp>
@@ -5424,8 +5424,8 @@
             </p:nvSpPr>
             <p:spPr bwMode="auto">
               <a:xfrm>
-                <a:off x="5373442" y="2635250"/>
-                <a:ext cx="1035541" cy="339196"/>
+                <a:off x="5354208" y="2635250"/>
+                <a:ext cx="1074013" cy="339196"/>
               </a:xfrm>
               <a:prstGeom prst="rect">
                 <a:avLst/>
@@ -5445,14 +5445,13 @@
               <a:lstStyle/>
               <a:p>
                 <a:r>
-                  <a:rPr lang="en-US" sz="1600"/>
+                  <a:rPr lang="en-US" sz="1600" dirty="0"/>
                   <a:t>intLiteral</a:t>
                 </a:r>
                 <a:r>
-                  <a:rPr lang="en-US" sz="1600" baseline="-25000"/>
+                  <a:rPr lang="en-US" sz="1600" baseline="-25000" dirty="0"/>
                   <a:t>1</a:t>
                 </a:r>
-                <a:endParaRPr lang="en-US" sz="1600" baseline="-25000" dirty="0"/>
               </a:p>
             </p:txBody>
           </p:sp>
@@ -5556,7 +5555,7 @@
             <p:spPr bwMode="auto">
               <a:xfrm>
                 <a:off x="5284788" y="2339975"/>
-                <a:ext cx="606425" cy="295275"/>
+                <a:ext cx="606427" cy="295275"/>
               </a:xfrm>
               <a:prstGeom prst="straightConnector1">
                 <a:avLst/>
@@ -10917,13 +10916,14 @@
           <a:lstStyle/>
           <a:p>
             <a:r>
-              <a:rPr lang="en-US" sz="1600"/>
+              <a:rPr lang="en-US" sz="1600" dirty="0" err="1"/>
               <a:t>id</a:t>
             </a:r>
             <a:r>
-              <a:rPr lang="en-US" sz="1600" baseline="-25000"/>
+              <a:rPr lang="en-US" sz="1600" baseline="-25000" dirty="0" err="1"/>
               <a:t>x</a:t>
             </a:r>
+            <a:endParaRPr lang="en-US" sz="1600" baseline="-25000" dirty="0"/>
           </a:p>
         </p:txBody>
       </p:sp>
@@ -10974,8 +10974,8 @@
         </p:nvSpPr>
         <p:spPr bwMode="auto">
           <a:xfrm>
-            <a:off x="5373442" y="5683250"/>
-            <a:ext cx="1035541" cy="339196"/>
+            <a:off x="5354208" y="5683250"/>
+            <a:ext cx="1074013" cy="339196"/>
           </a:xfrm>
           <a:prstGeom prst="rect">
             <a:avLst/>
@@ -11105,7 +11105,7 @@
         <p:spPr bwMode="auto">
           <a:xfrm>
             <a:off x="5284788" y="5387975"/>
-            <a:ext cx="606425" cy="295275"/>
+            <a:ext cx="606427" cy="295275"/>
           </a:xfrm>
           <a:prstGeom prst="straightConnector1">
             <a:avLst/>
